--- a/images/TA_chapter/organelle averages.pptx
+++ b/images/TA_chapter/organelle averages.pptx
@@ -455,10 +455,10 @@
                   <c:v>3.32849200573</c:v>
                 </c:pt>
                 <c:pt idx="6" formatCode="0.00">
-                  <c:v>3.34244269069</c:v>
+                  <c:v>3.342442690689999</c:v>
                 </c:pt>
                 <c:pt idx="7" formatCode="0.00">
-                  <c:v>3.37669732338</c:v>
+                  <c:v>3.376697323379999</c:v>
                 </c:pt>
               </c:numCache>
             </c:numRef>
@@ -475,11 +475,11 @@
         </c:dLbls>
         <c:marker val="1"/>
         <c:smooth val="0"/>
-        <c:axId val="2124198888"/>
-        <c:axId val="2124186472"/>
+        <c:axId val="2062123560"/>
+        <c:axId val="2062128136"/>
       </c:lineChart>
       <c:catAx>
-        <c:axId val="2124198888"/>
+        <c:axId val="2062123560"/>
         <c:scaling>
           <c:orientation val="minMax"/>
         </c:scaling>
@@ -527,7 +527,7 @@
             </a:solidFill>
           </a:ln>
         </c:spPr>
-        <c:crossAx val="2124186472"/>
+        <c:crossAx val="2062128136"/>
         <c:crosses val="autoZero"/>
         <c:auto val="0"/>
         <c:lblAlgn val="ctr"/>
@@ -537,7 +537,7 @@
         <c:noMultiLvlLbl val="0"/>
       </c:catAx>
       <c:valAx>
-        <c:axId val="2124186472"/>
+        <c:axId val="2062128136"/>
         <c:scaling>
           <c:orientation val="minMax"/>
           <c:min val="2.0"/>
@@ -582,7 +582,7 @@
             </a:solidFill>
           </a:ln>
         </c:spPr>
-        <c:crossAx val="2124198888"/>
+        <c:crossAx val="2062123560"/>
         <c:crossesAt val="1.0"/>
         <c:crossBetween val="between"/>
       </c:valAx>
@@ -992,11 +992,11 @@
         </c:dLbls>
         <c:marker val="1"/>
         <c:smooth val="0"/>
-        <c:axId val="2134022952"/>
-        <c:axId val="-2137384328"/>
+        <c:axId val="2121907976"/>
+        <c:axId val="2121949256"/>
       </c:lineChart>
       <c:catAx>
-        <c:axId val="2134022952"/>
+        <c:axId val="2121907976"/>
         <c:scaling>
           <c:orientation val="minMax"/>
         </c:scaling>
@@ -1044,7 +1044,7 @@
             </a:solidFill>
           </a:ln>
         </c:spPr>
-        <c:crossAx val="-2137384328"/>
+        <c:crossAx val="2121949256"/>
         <c:crossesAt val="-0.3"/>
         <c:auto val="0"/>
         <c:lblAlgn val="ctr"/>
@@ -1054,7 +1054,7 @@
         <c:noMultiLvlLbl val="0"/>
       </c:catAx>
       <c:valAx>
-        <c:axId val="-2137384328"/>
+        <c:axId val="2121949256"/>
         <c:scaling>
           <c:orientation val="minMax"/>
           <c:max val="-0.1"/>
@@ -1103,7 +1103,7 @@
             </a:solidFill>
           </a:ln>
         </c:spPr>
-        <c:crossAx val="2134022952"/>
+        <c:crossAx val="2121907976"/>
         <c:crossesAt val="1.0"/>
         <c:crossBetween val="between"/>
       </c:valAx>
@@ -1311,7 +1311,7 @@
                   <c:v>2.20291238196904</c:v>
                 </c:pt>
                 <c:pt idx="1">
-                  <c:v>2.4398104952441</c:v>
+                  <c:v>2.439810495244099</c:v>
                 </c:pt>
                 <c:pt idx="2">
                   <c:v>2.73806151689447</c:v>
@@ -1323,7 +1323,7 @@
                   <c:v>2.12609244189347</c:v>
                 </c:pt>
                 <c:pt idx="5">
-                  <c:v>2.38230510107896</c:v>
+                  <c:v>2.382305101078959</c:v>
                 </c:pt>
                 <c:pt idx="6">
                   <c:v>2.13786600884897</c:v>
@@ -1513,11 +1513,11 @@
         </c:dLbls>
         <c:marker val="1"/>
         <c:smooth val="0"/>
-        <c:axId val="2142596568"/>
-        <c:axId val="2139620936"/>
+        <c:axId val="-2145972152"/>
+        <c:axId val="2120723736"/>
       </c:lineChart>
       <c:catAx>
-        <c:axId val="2142596568"/>
+        <c:axId val="-2145972152"/>
         <c:scaling>
           <c:orientation val="minMax"/>
         </c:scaling>
@@ -1565,7 +1565,7 @@
             </a:solidFill>
           </a:ln>
         </c:spPr>
-        <c:crossAx val="2139620936"/>
+        <c:crossAx val="2120723736"/>
         <c:crosses val="autoZero"/>
         <c:auto val="1"/>
         <c:lblAlgn val="ctr"/>
@@ -1573,7 +1573,7 @@
         <c:noMultiLvlLbl val="0"/>
       </c:catAx>
       <c:valAx>
-        <c:axId val="2139620936"/>
+        <c:axId val="2120723736"/>
         <c:scaling>
           <c:orientation val="minMax"/>
         </c:scaling>
@@ -1625,7 +1625,7 @@
             </a:solidFill>
           </a:ln>
         </c:spPr>
-        <c:crossAx val="2142596568"/>
+        <c:crossAx val="-2145972152"/>
         <c:crosses val="autoZero"/>
         <c:crossBetween val="between"/>
       </c:valAx>
@@ -2907,7 +2907,7 @@
           <a:p>
             <a:fld id="{1C26DEA9-386C-8742-BF69-2322A4479B0B}" type="datetimeFigureOut">
               <a:rPr lang="en-US" smtClean="0"/>
-              <a:t>16/05/18</a:t>
+              <a:t>04/06/18</a:t>
             </a:fld>
             <a:endParaRPr lang="en-GB"/>
           </a:p>
@@ -3077,7 +3077,7 @@
           <a:p>
             <a:fld id="{1C26DEA9-386C-8742-BF69-2322A4479B0B}" type="datetimeFigureOut">
               <a:rPr lang="en-US" smtClean="0"/>
-              <a:t>16/05/18</a:t>
+              <a:t>04/06/18</a:t>
             </a:fld>
             <a:endParaRPr lang="en-GB"/>
           </a:p>
@@ -3257,7 +3257,7 @@
           <a:p>
             <a:fld id="{1C26DEA9-386C-8742-BF69-2322A4479B0B}" type="datetimeFigureOut">
               <a:rPr lang="en-US" smtClean="0"/>
-              <a:t>16/05/18</a:t>
+              <a:t>04/06/18</a:t>
             </a:fld>
             <a:endParaRPr lang="en-GB"/>
           </a:p>
@@ -3427,7 +3427,7 @@
           <a:p>
             <a:fld id="{1C26DEA9-386C-8742-BF69-2322A4479B0B}" type="datetimeFigureOut">
               <a:rPr lang="en-US" smtClean="0"/>
-              <a:t>16/05/18</a:t>
+              <a:t>04/06/18</a:t>
             </a:fld>
             <a:endParaRPr lang="en-GB"/>
           </a:p>
@@ -3673,7 +3673,7 @@
           <a:p>
             <a:fld id="{1C26DEA9-386C-8742-BF69-2322A4479B0B}" type="datetimeFigureOut">
               <a:rPr lang="en-US" smtClean="0"/>
-              <a:t>16/05/18</a:t>
+              <a:t>04/06/18</a:t>
             </a:fld>
             <a:endParaRPr lang="en-GB"/>
           </a:p>
@@ -3961,7 +3961,7 @@
           <a:p>
             <a:fld id="{1C26DEA9-386C-8742-BF69-2322A4479B0B}" type="datetimeFigureOut">
               <a:rPr lang="en-US" smtClean="0"/>
-              <a:t>16/05/18</a:t>
+              <a:t>04/06/18</a:t>
             </a:fld>
             <a:endParaRPr lang="en-GB"/>
           </a:p>
@@ -4388,7 +4388,7 @@
           <a:p>
             <a:fld id="{1C26DEA9-386C-8742-BF69-2322A4479B0B}" type="datetimeFigureOut">
               <a:rPr lang="en-US" smtClean="0"/>
-              <a:t>16/05/18</a:t>
+              <a:t>04/06/18</a:t>
             </a:fld>
             <a:endParaRPr lang="en-GB"/>
           </a:p>
@@ -4506,7 +4506,7 @@
           <a:p>
             <a:fld id="{1C26DEA9-386C-8742-BF69-2322A4479B0B}" type="datetimeFigureOut">
               <a:rPr lang="en-US" smtClean="0"/>
-              <a:t>16/05/18</a:t>
+              <a:t>04/06/18</a:t>
             </a:fld>
             <a:endParaRPr lang="en-GB"/>
           </a:p>
@@ -4601,7 +4601,7 @@
           <a:p>
             <a:fld id="{1C26DEA9-386C-8742-BF69-2322A4479B0B}" type="datetimeFigureOut">
               <a:rPr lang="en-US" smtClean="0"/>
-              <a:t>16/05/18</a:t>
+              <a:t>04/06/18</a:t>
             </a:fld>
             <a:endParaRPr lang="en-GB"/>
           </a:p>
@@ -4878,7 +4878,7 @@
           <a:p>
             <a:fld id="{1C26DEA9-386C-8742-BF69-2322A4479B0B}" type="datetimeFigureOut">
               <a:rPr lang="en-US" smtClean="0"/>
-              <a:t>16/05/18</a:t>
+              <a:t>04/06/18</a:t>
             </a:fld>
             <a:endParaRPr lang="en-GB"/>
           </a:p>
@@ -5131,7 +5131,7 @@
           <a:p>
             <a:fld id="{1C26DEA9-386C-8742-BF69-2322A4479B0B}" type="datetimeFigureOut">
               <a:rPr lang="en-US" smtClean="0"/>
-              <a:t>16/05/18</a:t>
+              <a:t>04/06/18</a:t>
             </a:fld>
             <a:endParaRPr lang="en-GB"/>
           </a:p>
@@ -5344,7 +5344,7 @@
           <a:p>
             <a:fld id="{1C26DEA9-386C-8742-BF69-2322A4479B0B}" type="datetimeFigureOut">
               <a:rPr lang="en-US" smtClean="0"/>
-              <a:t>16/05/18</a:t>
+              <a:t>04/06/18</a:t>
             </a:fld>
             <a:endParaRPr lang="en-GB"/>
           </a:p>
@@ -5752,13 +5752,13 @@
           <p:nvPr>
             <p:extLst>
               <p:ext uri="{D42A27DB-BD31-4B8C-83A1-F6EECF244321}">
-                <p14:modId xmlns:p14="http://schemas.microsoft.com/office/powerpoint/2010/main" val="2696553567"/>
+                <p14:modId xmlns:p14="http://schemas.microsoft.com/office/powerpoint/2010/main" val="2705847160"/>
               </p:ext>
             </p:extLst>
           </p:nvPr>
         </p:nvGraphicFramePr>
         <p:xfrm>
-          <a:off x="9931400" y="0"/>
+          <a:off x="101027" y="3898917"/>
           <a:ext cx="4965700" cy="4216400"/>
         </p:xfrm>
         <a:graphic>
@@ -5859,7 +5859,7 @@
         </p:nvSpPr>
         <p:spPr>
           <a:xfrm>
-            <a:off x="9931400" y="86650"/>
+            <a:off x="101027" y="3985567"/>
             <a:ext cx="442098" cy="461665"/>
           </a:xfrm>
           <a:prstGeom prst="rect">
